--- a/Use-case.pptx
+++ b/Use-case.pptx
@@ -262,7 +262,7 @@
           <a:p>
             <a:fld id="{56C13B03-1922-44A3-A2CF-1C011293D978}" type="datetimeFigureOut">
               <a:rPr lang="he-IL" smtClean="0"/>
-              <a:t>ו'/טבת/תשפ"א</a:t>
+              <a:t>כ"ב/טבת/תשפ"א</a:t>
             </a:fld>
             <a:endParaRPr lang="he-IL"/>
           </a:p>
@@ -462,7 +462,7 @@
           <a:p>
             <a:fld id="{56C13B03-1922-44A3-A2CF-1C011293D978}" type="datetimeFigureOut">
               <a:rPr lang="he-IL" smtClean="0"/>
-              <a:t>ו'/טבת/תשפ"א</a:t>
+              <a:t>כ"ב/טבת/תשפ"א</a:t>
             </a:fld>
             <a:endParaRPr lang="he-IL"/>
           </a:p>
@@ -672,7 +672,7 @@
           <a:p>
             <a:fld id="{56C13B03-1922-44A3-A2CF-1C011293D978}" type="datetimeFigureOut">
               <a:rPr lang="he-IL" smtClean="0"/>
-              <a:t>ו'/טבת/תשפ"א</a:t>
+              <a:t>כ"ב/טבת/תשפ"א</a:t>
             </a:fld>
             <a:endParaRPr lang="he-IL"/>
           </a:p>
@@ -872,7 +872,7 @@
           <a:p>
             <a:fld id="{56C13B03-1922-44A3-A2CF-1C011293D978}" type="datetimeFigureOut">
               <a:rPr lang="he-IL" smtClean="0"/>
-              <a:t>ו'/טבת/תשפ"א</a:t>
+              <a:t>כ"ב/טבת/תשפ"א</a:t>
             </a:fld>
             <a:endParaRPr lang="he-IL"/>
           </a:p>
@@ -1148,7 +1148,7 @@
           <a:p>
             <a:fld id="{56C13B03-1922-44A3-A2CF-1C011293D978}" type="datetimeFigureOut">
               <a:rPr lang="he-IL" smtClean="0"/>
-              <a:t>ו'/טבת/תשפ"א</a:t>
+              <a:t>כ"ב/טבת/תשפ"א</a:t>
             </a:fld>
             <a:endParaRPr lang="he-IL"/>
           </a:p>
@@ -1416,7 +1416,7 @@
           <a:p>
             <a:fld id="{56C13B03-1922-44A3-A2CF-1C011293D978}" type="datetimeFigureOut">
               <a:rPr lang="he-IL" smtClean="0"/>
-              <a:t>ו'/טבת/תשפ"א</a:t>
+              <a:t>כ"ב/טבת/תשפ"א</a:t>
             </a:fld>
             <a:endParaRPr lang="he-IL"/>
           </a:p>
@@ -1831,7 +1831,7 @@
           <a:p>
             <a:fld id="{56C13B03-1922-44A3-A2CF-1C011293D978}" type="datetimeFigureOut">
               <a:rPr lang="he-IL" smtClean="0"/>
-              <a:t>ו'/טבת/תשפ"א</a:t>
+              <a:t>כ"ב/טבת/תשפ"א</a:t>
             </a:fld>
             <a:endParaRPr lang="he-IL"/>
           </a:p>
@@ -1973,7 +1973,7 @@
           <a:p>
             <a:fld id="{56C13B03-1922-44A3-A2CF-1C011293D978}" type="datetimeFigureOut">
               <a:rPr lang="he-IL" smtClean="0"/>
-              <a:t>ו'/טבת/תשפ"א</a:t>
+              <a:t>כ"ב/טבת/תשפ"א</a:t>
             </a:fld>
             <a:endParaRPr lang="he-IL"/>
           </a:p>
@@ -2086,7 +2086,7 @@
           <a:p>
             <a:fld id="{56C13B03-1922-44A3-A2CF-1C011293D978}" type="datetimeFigureOut">
               <a:rPr lang="he-IL" smtClean="0"/>
-              <a:t>ו'/טבת/תשפ"א</a:t>
+              <a:t>כ"ב/טבת/תשפ"א</a:t>
             </a:fld>
             <a:endParaRPr lang="he-IL"/>
           </a:p>
@@ -2399,7 +2399,7 @@
           <a:p>
             <a:fld id="{56C13B03-1922-44A3-A2CF-1C011293D978}" type="datetimeFigureOut">
               <a:rPr lang="he-IL" smtClean="0"/>
-              <a:t>ו'/טבת/תשפ"א</a:t>
+              <a:t>כ"ב/טבת/תשפ"א</a:t>
             </a:fld>
             <a:endParaRPr lang="he-IL"/>
           </a:p>
@@ -2688,7 +2688,7 @@
           <a:p>
             <a:fld id="{56C13B03-1922-44A3-A2CF-1C011293D978}" type="datetimeFigureOut">
               <a:rPr lang="he-IL" smtClean="0"/>
-              <a:t>ו'/טבת/תשפ"א</a:t>
+              <a:t>כ"ב/טבת/תשפ"א</a:t>
             </a:fld>
             <a:endParaRPr lang="he-IL"/>
           </a:p>
@@ -2931,7 +2931,7 @@
           <a:p>
             <a:fld id="{56C13B03-1922-44A3-A2CF-1C011293D978}" type="datetimeFigureOut">
               <a:rPr lang="he-IL" smtClean="0"/>
-              <a:t>ו'/טבת/תשפ"א</a:t>
+              <a:t>כ"ב/טבת/תשפ"א</a:t>
             </a:fld>
             <a:endParaRPr lang="he-IL"/>
           </a:p>
